--- a/Case Study Presentation.pptx
+++ b/Case Study Presentation.pptx
@@ -15,6 +15,7 @@
     <p:sldId id="263" r:id="rId9"/>
     <p:sldId id="264" r:id="rId10"/>
     <p:sldId id="265" r:id="rId11"/>
+    <p:sldId id="266" r:id="rId12"/>
   </p:sldIdLst>
   <p:sldSz cx="12192000" cy="6858000"/>
   <p:notesSz cx="6858000" cy="9144000"/>
@@ -113,6 +114,11 @@
       </a:defRPr>
     </a:lvl9pPr>
   </p:defaultTextStyle>
+  <p:extLst>
+    <p:ext uri="{EFAFB233-063F-42B5-8137-9DF3F51BA10A}">
+      <p15:sldGuideLst xmlns:p15="http://schemas.microsoft.com/office/powerpoint/2012/main"/>
+    </p:ext>
+  </p:extLst>
 </p:presentation>
 </file>
 
@@ -333,7 +339,7 @@
           <a:p>
             <a:fld id="{9AB3A824-1A51-4B26-AD58-A6D8E14F6C04}" type="datetimeFigureOut">
               <a:rPr lang="en-US" smtClean="0"/>
-              <a:t>1/2/19</a:t>
+              <a:t>1/4/19</a:t>
             </a:fld>
             <a:endParaRPr lang="en-US" dirty="0"/>
           </a:p>
@@ -673,7 +679,7 @@
           <a:p>
             <a:fld id="{D857E33E-8B18-4087-B112-809917729534}" type="datetimeFigureOut">
               <a:rPr lang="en-US" smtClean="0"/>
-              <a:t>1/2/19</a:t>
+              <a:t>1/4/19</a:t>
             </a:fld>
             <a:endParaRPr lang="en-US" dirty="0"/>
           </a:p>
@@ -981,7 +987,7 @@
           <a:p>
             <a:fld id="{D3FFE419-2371-464F-8239-3959401C3561}" type="datetimeFigureOut">
               <a:rPr lang="en-US" smtClean="0"/>
-              <a:t>1/2/19</a:t>
+              <a:t>1/4/19</a:t>
             </a:fld>
             <a:endParaRPr lang="en-US" dirty="0"/>
           </a:p>
@@ -1234,7 +1240,7 @@
           <a:p>
             <a:fld id="{97D162C4-EDD9-4389-A98B-B87ECEA2A816}" type="datetimeFigureOut">
               <a:rPr lang="en-US" smtClean="0"/>
-              <a:t>1/2/19</a:t>
+              <a:t>1/4/19</a:t>
             </a:fld>
             <a:endParaRPr lang="en-US" dirty="0"/>
           </a:p>
@@ -1647,7 +1653,7 @@
           <a:p>
             <a:fld id="{3E5059C3-6A89-4494-99FF-5A4D6FFD50EB}" type="datetimeFigureOut">
               <a:rPr lang="en-US" smtClean="0"/>
-              <a:t>1/2/19</a:t>
+              <a:t>1/4/19</a:t>
             </a:fld>
             <a:endParaRPr lang="en-US" dirty="0"/>
           </a:p>
@@ -1967,7 +1973,7 @@
           <a:p>
             <a:fld id="{CA954B2F-12DE-47F5-8894-472B206D2E1E}" type="datetimeFigureOut">
               <a:rPr lang="en-US" smtClean="0"/>
-              <a:t>1/2/19</a:t>
+              <a:t>1/4/19</a:t>
             </a:fld>
             <a:endParaRPr lang="en-US" dirty="0"/>
           </a:p>
@@ -2518,7 +2524,7 @@
             <a:fld id="{3CBC1C18-307B-4F68-A007-B5B542270E8D}" type="datetimeFigureOut">
               <a:rPr lang="en-US" smtClean="0"/>
               <a:pPr/>
-              <a:t>1/2/19</a:t>
+              <a:t>1/4/19</a:t>
             </a:fld>
             <a:endParaRPr lang="en-US" dirty="0"/>
           </a:p>
@@ -2721,7 +2727,7 @@
           <a:p>
             <a:fld id="{1FAF3416-4057-4DAA-829D-4CA07428D088}" type="datetimeFigureOut">
               <a:rPr lang="en-US" smtClean="0"/>
-              <a:t>1/2/19</a:t>
+              <a:t>1/4/19</a:t>
             </a:fld>
             <a:endParaRPr lang="en-US" dirty="0"/>
           </a:p>
@@ -2940,7 +2946,7 @@
           <a:p>
             <a:fld id="{921D9284-D300-4297-87F7-E791DCC15DB1}" type="datetimeFigureOut">
               <a:rPr lang="en-US" smtClean="0"/>
-              <a:t>1/2/19</a:t>
+              <a:t>1/4/19</a:t>
             </a:fld>
             <a:endParaRPr lang="en-US" dirty="0"/>
           </a:p>
@@ -3315,7 +3321,7 @@
           <a:p>
             <a:fld id="{37D525BB-DA17-4BA0-B3C8-3AC3ABC827E6}" type="datetimeFigureOut">
               <a:rPr lang="en-US" smtClean="0"/>
-              <a:t>1/2/19</a:t>
+              <a:t>1/4/19</a:t>
             </a:fld>
             <a:endParaRPr lang="en-US" dirty="0"/>
           </a:p>
@@ -3724,7 +3730,7 @@
           <a:p>
             <a:fld id="{B16C4C9A-3960-41CF-A4E9-2A8FB932454B}" type="datetimeFigureOut">
               <a:rPr lang="en-US" smtClean="0"/>
-              <a:t>1/2/19</a:t>
+              <a:t>1/4/19</a:t>
             </a:fld>
             <a:endParaRPr lang="en-US" dirty="0"/>
           </a:p>
@@ -4069,7 +4075,7 @@
             <a:fld id="{3CBC1C18-307B-4F68-A007-B5B542270E8D}" type="datetimeFigureOut">
               <a:rPr lang="en-US" smtClean="0"/>
               <a:pPr/>
-              <a:t>1/2/19</a:t>
+              <a:t>1/4/19</a:t>
             </a:fld>
             <a:endParaRPr lang="en-US" dirty="0"/>
           </a:p>
@@ -4710,18 +4716,57 @@
         </p:nvSpPr>
         <p:spPr>
           <a:xfrm>
-            <a:off x="4638254" y="2054354"/>
-            <a:ext cx="3894222" cy="3997829"/>
+            <a:off x="3362905" y="2453007"/>
+            <a:ext cx="6033757" cy="2624320"/>
           </a:xfrm>
         </p:spPr>
         <p:txBody>
           <a:bodyPr/>
           <a:lstStyle/>
           <a:p>
+            <a:pPr marL="0" indent="0">
+              <a:buNone/>
+            </a:pPr>
             <a:r>
               <a:rPr lang="en-US" dirty="0"/>
-              <a:t>Our Conclusions Here</a:t>
-            </a:r>
+              <a:t>We recommend making a beer with the following:</a:t>
+            </a:r>
+          </a:p>
+          <a:p>
+            <a:r>
+              <a:rPr lang="en-US" dirty="0"/>
+              <a:t>Alcohol content ABV between 0.05 and 0.07 </a:t>
+            </a:r>
+          </a:p>
+          <a:p>
+            <a:r>
+              <a:rPr lang="en-US" dirty="0"/>
+              <a:t>Bitterness IBU between 25 and 50</a:t>
+            </a:r>
+          </a:p>
+          <a:p>
+            <a:r>
+              <a:rPr lang="en-US" dirty="0"/>
+              <a:t>In a state that has a median alcohol content and bitterness within the ranges above</a:t>
+            </a:r>
+          </a:p>
+          <a:p>
+            <a:pPr marL="0" indent="0">
+              <a:buNone/>
+            </a:pPr>
+            <a:endParaRPr lang="en-US" dirty="0"/>
+          </a:p>
+          <a:p>
+            <a:pPr marL="0" indent="0">
+              <a:buNone/>
+            </a:pPr>
+            <a:endParaRPr lang="en-US" dirty="0"/>
+          </a:p>
+          <a:p>
+            <a:pPr marL="0" indent="0">
+              <a:buNone/>
+            </a:pPr>
+            <a:endParaRPr lang="en-US" dirty="0"/>
           </a:p>
         </p:txBody>
       </p:sp>
@@ -4729,6 +4774,149 @@
     <p:extLst>
       <p:ext uri="{BB962C8B-B14F-4D97-AF65-F5344CB8AC3E}">
         <p14:creationId xmlns:p14="http://schemas.microsoft.com/office/powerpoint/2010/main" val="3136856796"/>
+      </p:ext>
+    </p:extLst>
+  </p:cSld>
+  <p:clrMapOvr>
+    <a:masterClrMapping/>
+  </p:clrMapOvr>
+</p:sld>
+</file>
+
+<file path=ppt/slides/slide11.xml><?xml version="1.0" encoding="utf-8"?>
+<p:sld xmlns:a="http://schemas.openxmlformats.org/drawingml/2006/main" xmlns:r="http://schemas.openxmlformats.org/officeDocument/2006/relationships" xmlns:p="http://schemas.openxmlformats.org/presentationml/2006/main">
+  <p:cSld>
+    <p:spTree>
+      <p:nvGrpSpPr>
+        <p:cNvPr id="1" name=""/>
+        <p:cNvGrpSpPr/>
+        <p:nvPr/>
+      </p:nvGrpSpPr>
+      <p:grpSpPr>
+        <a:xfrm>
+          <a:off x="0" y="0"/>
+          <a:ext cx="0" cy="0"/>
+          <a:chOff x="0" y="0"/>
+          <a:chExt cx="0" cy="0"/>
+        </a:xfrm>
+      </p:grpSpPr>
+      <p:sp>
+        <p:nvSpPr>
+          <p:cNvPr id="3" name="Content Placeholder 2">
+            <a:extLst>
+              <a:ext uri="{FF2B5EF4-FFF2-40B4-BE49-F238E27FC236}">
+                <a16:creationId xmlns:a16="http://schemas.microsoft.com/office/drawing/2014/main" id="{85A8B2BC-77A5-D546-82EE-B428EDB1D503}"/>
+              </a:ext>
+            </a:extLst>
+          </p:cNvPr>
+          <p:cNvSpPr>
+            <a:spLocks noGrp="1"/>
+          </p:cNvSpPr>
+          <p:nvPr>
+            <p:ph sz="half" idx="1"/>
+          </p:nvPr>
+        </p:nvSpPr>
+        <p:spPr>
+          <a:xfrm>
+            <a:off x="4082318" y="2437127"/>
+            <a:ext cx="4363850" cy="2459726"/>
+          </a:xfrm>
+        </p:spPr>
+        <p:txBody>
+          <a:bodyPr/>
+          <a:lstStyle/>
+          <a:p>
+            <a:pPr marL="0" indent="0">
+              <a:buNone/>
+            </a:pPr>
+            <a:r>
+              <a:rPr lang="en-US" dirty="0"/>
+              <a:t>State of Interest: Texas</a:t>
+            </a:r>
+          </a:p>
+          <a:p>
+            <a:r>
+              <a:rPr lang="en-US" dirty="0"/>
+              <a:t>Median alcohol content of 0.055 </a:t>
+            </a:r>
+          </a:p>
+          <a:p>
+            <a:r>
+              <a:rPr lang="en-US" dirty="0"/>
+              <a:t>Median bitterness of 32</a:t>
+            </a:r>
+          </a:p>
+          <a:p>
+            <a:pPr marL="0" indent="0">
+              <a:buNone/>
+            </a:pPr>
+            <a:endParaRPr lang="en-US" dirty="0"/>
+          </a:p>
+        </p:txBody>
+      </p:sp>
+      <p:sp>
+        <p:nvSpPr>
+          <p:cNvPr id="7" name="Title 1">
+            <a:extLst>
+              <a:ext uri="{FF2B5EF4-FFF2-40B4-BE49-F238E27FC236}">
+                <a16:creationId xmlns:a16="http://schemas.microsoft.com/office/drawing/2014/main" id="{448F7475-1128-3045-9632-336D9A07DCFD}"/>
+              </a:ext>
+            </a:extLst>
+          </p:cNvPr>
+          <p:cNvSpPr txBox="1">
+            <a:spLocks/>
+          </p:cNvSpPr>
+          <p:nvPr/>
+        </p:nvSpPr>
+        <p:spPr>
+          <a:xfrm>
+            <a:off x="2425389" y="669460"/>
+            <a:ext cx="7950984" cy="1081705"/>
+          </a:xfrm>
+          <a:prstGeom prst="rect">
+            <a:avLst/>
+          </a:prstGeom>
+        </p:spPr>
+        <p:txBody>
+          <a:bodyPr vert="horz" lIns="91440" tIns="45720" rIns="91440" bIns="45720" rtlCol="0" anchor="t">
+            <a:normAutofit/>
+          </a:bodyPr>
+          <a:lstStyle>
+            <a:lvl1pPr algn="r" defTabSz="914400" rtl="0" eaLnBrk="1" latinLnBrk="0" hangingPunct="1">
+              <a:lnSpc>
+                <a:spcPct val="90000"/>
+              </a:lnSpc>
+              <a:spcBef>
+                <a:spcPct val="0"/>
+              </a:spcBef>
+              <a:buNone/>
+              <a:defRPr sz="3400" b="0" i="0" kern="1200" cap="none">
+                <a:solidFill>
+                  <a:schemeClr val="tx1"/>
+                </a:solidFill>
+                <a:effectLst/>
+                <a:latin typeface="+mj-lt"/>
+                <a:ea typeface="+mj-ea"/>
+                <a:cs typeface="+mj-cs"/>
+              </a:defRPr>
+            </a:lvl1pPr>
+          </a:lstStyle>
+          <a:p>
+            <a:pPr algn="ctr"/>
+            <a:r>
+              <a:rPr lang="en-US" dirty="0">
+                <a:latin typeface="Calibri" panose="020F0502020204030204" pitchFamily="34" charset="0"/>
+                <a:cs typeface="Calibri" panose="020F0502020204030204" pitchFamily="34" charset="0"/>
+              </a:rPr>
+              <a:t>Take Away</a:t>
+            </a:r>
+          </a:p>
+        </p:txBody>
+      </p:sp>
+    </p:spTree>
+    <p:extLst>
+      <p:ext uri="{BB962C8B-B14F-4D97-AF65-F5344CB8AC3E}">
+        <p14:creationId xmlns:p14="http://schemas.microsoft.com/office/powerpoint/2010/main" val="693825836"/>
       </p:ext>
     </p:extLst>
   </p:cSld>
@@ -4811,10 +4999,10 @@
       </p:sp>
       <p:pic>
         <p:nvPicPr>
-          <p:cNvPr id="14" name="Content Placeholder 13">
+          <p:cNvPr id="10" name="Content Placeholder 9" descr="A close up of a map&#13;&#10;&#13;&#10;Description automatically generated">
             <a:extLst>
               <a:ext uri="{FF2B5EF4-FFF2-40B4-BE49-F238E27FC236}">
-                <a16:creationId xmlns:a16="http://schemas.microsoft.com/office/drawing/2014/main" id="{2BBC7150-8717-8647-842C-856521703DD0}"/>
+                <a16:creationId xmlns:a16="http://schemas.microsoft.com/office/drawing/2014/main" id="{1F7AB6BE-7F21-5845-B66F-6428B0E626F8}"/>
               </a:ext>
             </a:extLst>
           </p:cNvPr>
@@ -4833,46 +5021,11 @@
         </p:blipFill>
         <p:spPr>
           <a:xfrm>
-            <a:off x="3420115" y="2052619"/>
-            <a:ext cx="6191934" cy="3997325"/>
+            <a:off x="2844964" y="2052619"/>
+            <a:ext cx="7342236" cy="3997325"/>
           </a:xfrm>
         </p:spPr>
       </p:pic>
-      <p:sp>
-        <p:nvSpPr>
-          <p:cNvPr id="15" name="TextBox 14">
-            <a:extLst>
-              <a:ext uri="{FF2B5EF4-FFF2-40B4-BE49-F238E27FC236}">
-                <a16:creationId xmlns:a16="http://schemas.microsoft.com/office/drawing/2014/main" id="{39356AEE-301E-7A4E-BBA3-239C9C9F8676}"/>
-              </a:ext>
-            </a:extLst>
-          </p:cNvPr>
-          <p:cNvSpPr txBox="1"/>
-          <p:nvPr/>
-        </p:nvSpPr>
-        <p:spPr>
-          <a:xfrm>
-            <a:off x="9878028" y="4251960"/>
-            <a:ext cx="1234440" cy="2031325"/>
-          </a:xfrm>
-          <a:prstGeom prst="rect">
-            <a:avLst/>
-          </a:prstGeom>
-          <a:noFill/>
-        </p:spPr>
-        <p:txBody>
-          <a:bodyPr wrap="square" rtlCol="0">
-            <a:spAutoFit/>
-          </a:bodyPr>
-          <a:lstStyle/>
-          <a:p>
-            <a:r>
-              <a:rPr lang="en-US" dirty="0"/>
-              <a:t>Finish figuring out how to change the colors to dark = many</a:t>
-            </a:r>
-          </a:p>
-        </p:txBody>
-      </p:sp>
     </p:spTree>
     <p:extLst>
       <p:ext uri="{BB962C8B-B14F-4D97-AF65-F5344CB8AC3E}">
@@ -5129,10 +5282,10 @@
       </p:sp>
       <p:pic>
         <p:nvPicPr>
-          <p:cNvPr id="6" name="Content Placeholder 5" descr="A screenshot of a cell phone&#13;&#10;&#13;&#10;Description automatically generated">
+          <p:cNvPr id="8" name="Content Placeholder 7" descr="A screenshot of a cell phone&#13;&#10;&#13;&#10;Description automatically generated">
             <a:extLst>
               <a:ext uri="{FF2B5EF4-FFF2-40B4-BE49-F238E27FC236}">
-                <a16:creationId xmlns:a16="http://schemas.microsoft.com/office/drawing/2014/main" id="{E9F493E0-D788-3442-B5B8-854BA9A58420}"/>
+                <a16:creationId xmlns:a16="http://schemas.microsoft.com/office/drawing/2014/main" id="{B3002BCB-A500-A449-A079-BC590B05A51F}"/>
               </a:ext>
             </a:extLst>
           </p:cNvPr>
@@ -5151,46 +5304,11 @@
         </p:blipFill>
         <p:spPr>
           <a:xfrm>
-            <a:off x="3180643" y="2301403"/>
-            <a:ext cx="5830713" cy="2927419"/>
+            <a:off x="3288788" y="1900401"/>
+            <a:ext cx="5614423" cy="3838662"/>
           </a:xfrm>
         </p:spPr>
       </p:pic>
-      <p:sp>
-        <p:nvSpPr>
-          <p:cNvPr id="7" name="TextBox 6">
-            <a:extLst>
-              <a:ext uri="{FF2B5EF4-FFF2-40B4-BE49-F238E27FC236}">
-                <a16:creationId xmlns:a16="http://schemas.microsoft.com/office/drawing/2014/main" id="{29869764-C3EC-354A-9340-3C63B653DE73}"/>
-              </a:ext>
-            </a:extLst>
-          </p:cNvPr>
-          <p:cNvSpPr txBox="1"/>
-          <p:nvPr/>
-        </p:nvSpPr>
-        <p:spPr>
-          <a:xfrm>
-            <a:off x="9158931" y="4588268"/>
-            <a:ext cx="1250577" cy="923330"/>
-          </a:xfrm>
-          <a:prstGeom prst="rect">
-            <a:avLst/>
-          </a:prstGeom>
-          <a:noFill/>
-        </p:spPr>
-        <p:txBody>
-          <a:bodyPr wrap="square" rtlCol="0">
-            <a:spAutoFit/>
-          </a:bodyPr>
-          <a:lstStyle/>
-          <a:p>
-            <a:r>
-              <a:rPr lang="en-US" dirty="0"/>
-              <a:t>Change this to a bar chart</a:t>
-            </a:r>
-          </a:p>
-        </p:txBody>
-      </p:sp>
     </p:spTree>
     <p:extLst>
       <p:ext uri="{BB962C8B-B14F-4D97-AF65-F5344CB8AC3E}">
@@ -5239,7 +5357,7 @@
         </p:nvSpPr>
         <p:spPr>
           <a:xfrm>
-            <a:off x="2120508" y="805817"/>
+            <a:off x="2120508" y="709565"/>
             <a:ext cx="7950984" cy="1081705"/>
           </a:xfrm>
         </p:spPr>
@@ -5273,10 +5391,10 @@
       </p:sp>
       <p:pic>
         <p:nvPicPr>
-          <p:cNvPr id="6" name="Content Placeholder 5" descr="A close up of a logo&#13;&#10;&#13;&#10;Description automatically generated">
+          <p:cNvPr id="8" name="Content Placeholder 7" descr="A screenshot of a cell phone&#13;&#10;&#13;&#10;Description automatically generated">
             <a:extLst>
               <a:ext uri="{FF2B5EF4-FFF2-40B4-BE49-F238E27FC236}">
-                <a16:creationId xmlns:a16="http://schemas.microsoft.com/office/drawing/2014/main" id="{B20D4F61-3CC8-6F40-9B36-3A9C74813A2C}"/>
+                <a16:creationId xmlns:a16="http://schemas.microsoft.com/office/drawing/2014/main" id="{D1D343F5-28EF-0F45-95CB-4CA374183F7A}"/>
               </a:ext>
             </a:extLst>
           </p:cNvPr>
@@ -5295,60 +5413,11 @@
         </p:blipFill>
         <p:spPr>
           <a:xfrm>
-            <a:off x="3360609" y="2071347"/>
-            <a:ext cx="5718997" cy="4015641"/>
+            <a:off x="3031081" y="1860992"/>
+            <a:ext cx="6129838" cy="4287443"/>
           </a:xfrm>
         </p:spPr>
       </p:pic>
-      <p:sp>
-        <p:nvSpPr>
-          <p:cNvPr id="7" name="TextBox 6">
-            <a:extLst>
-              <a:ext uri="{FF2B5EF4-FFF2-40B4-BE49-F238E27FC236}">
-                <a16:creationId xmlns:a16="http://schemas.microsoft.com/office/drawing/2014/main" id="{0567370C-0431-0247-8CAB-B4AF56D9A46C}"/>
-              </a:ext>
-            </a:extLst>
-          </p:cNvPr>
-          <p:cNvSpPr txBox="1"/>
-          <p:nvPr/>
-        </p:nvSpPr>
-        <p:spPr>
-          <a:xfrm>
-            <a:off x="9628094" y="3792071"/>
-            <a:ext cx="1156447" cy="1477328"/>
-          </a:xfrm>
-          <a:prstGeom prst="rect">
-            <a:avLst/>
-          </a:prstGeom>
-          <a:noFill/>
-        </p:spPr>
-        <p:txBody>
-          <a:bodyPr wrap="square" rtlCol="0">
-            <a:spAutoFit/>
-          </a:bodyPr>
-          <a:lstStyle/>
-          <a:p>
-            <a:r>
-              <a:rPr lang="en-US" dirty="0"/>
-              <a:t>Fix colors </a:t>
-            </a:r>
-          </a:p>
-          <a:p>
-            <a:r>
-              <a:rPr lang="en-US" dirty="0"/>
-              <a:t>add title in </a:t>
-            </a:r>
-            <a:r>
-              <a:rPr lang="en-US" dirty="0" err="1"/>
-              <a:t>rmd</a:t>
-            </a:r>
-            <a:r>
-              <a:rPr lang="en-US" dirty="0"/>
-              <a:t>/html</a:t>
-            </a:r>
-          </a:p>
-        </p:txBody>
-      </p:sp>
     </p:spTree>
     <p:extLst>
       <p:ext uri="{BB962C8B-B14F-4D97-AF65-F5344CB8AC3E}">
@@ -5397,7 +5466,7 @@
         </p:nvSpPr>
         <p:spPr>
           <a:xfrm>
-            <a:off x="2412306" y="805817"/>
+            <a:off x="2291988" y="697533"/>
             <a:ext cx="7950984" cy="1081705"/>
           </a:xfrm>
         </p:spPr>
@@ -5431,10 +5500,10 @@
       </p:sp>
       <p:pic>
         <p:nvPicPr>
-          <p:cNvPr id="6" name="Content Placeholder 5" descr="A screenshot of a cell phone&#13;&#10;&#13;&#10;Description automatically generated">
+          <p:cNvPr id="8" name="Content Placeholder 7" descr="A screenshot of a cell phone&#13;&#10;&#13;&#10;Description automatically generated">
             <a:extLst>
               <a:ext uri="{FF2B5EF4-FFF2-40B4-BE49-F238E27FC236}">
-                <a16:creationId xmlns:a16="http://schemas.microsoft.com/office/drawing/2014/main" id="{4420AF5A-D922-A143-9C16-E44D6C5DDB3C}"/>
+                <a16:creationId xmlns:a16="http://schemas.microsoft.com/office/drawing/2014/main" id="{98AB22DD-5422-354A-917D-B01EF6604324}"/>
               </a:ext>
             </a:extLst>
           </p:cNvPr>
@@ -5453,54 +5522,11 @@
         </p:blipFill>
         <p:spPr>
           <a:xfrm>
-            <a:off x="3359291" y="2053271"/>
-            <a:ext cx="5747922" cy="3998912"/>
+            <a:off x="3096719" y="1873313"/>
+            <a:ext cx="6293393" cy="4436029"/>
           </a:xfrm>
         </p:spPr>
       </p:pic>
-      <p:sp>
-        <p:nvSpPr>
-          <p:cNvPr id="7" name="TextBox 6">
-            <a:extLst>
-              <a:ext uri="{FF2B5EF4-FFF2-40B4-BE49-F238E27FC236}">
-                <a16:creationId xmlns:a16="http://schemas.microsoft.com/office/drawing/2014/main" id="{EA2FBFFC-6DE4-8340-A0E6-389F8252A12B}"/>
-              </a:ext>
-            </a:extLst>
-          </p:cNvPr>
-          <p:cNvSpPr txBox="1"/>
-          <p:nvPr/>
-        </p:nvSpPr>
-        <p:spPr>
-          <a:xfrm>
-            <a:off x="9628094" y="3792071"/>
-            <a:ext cx="1156447" cy="1477328"/>
-          </a:xfrm>
-          <a:prstGeom prst="rect">
-            <a:avLst/>
-          </a:prstGeom>
-          <a:noFill/>
-        </p:spPr>
-        <p:txBody>
-          <a:bodyPr wrap="square" rtlCol="0">
-            <a:spAutoFit/>
-          </a:bodyPr>
-          <a:lstStyle/>
-          <a:p>
-            <a:r>
-              <a:rPr lang="en-US" dirty="0"/>
-              <a:t>Fix colors add title in </a:t>
-            </a:r>
-            <a:r>
-              <a:rPr lang="en-US" dirty="0" err="1"/>
-              <a:t>rmd</a:t>
-            </a:r>
-            <a:r>
-              <a:rPr lang="en-US" dirty="0"/>
-              <a:t>/html</a:t>
-            </a:r>
-          </a:p>
-        </p:txBody>
-      </p:sp>
     </p:spTree>
     <p:extLst>
       <p:ext uri="{BB962C8B-B14F-4D97-AF65-F5344CB8AC3E}">
@@ -5866,10 +5892,10 @@
       </p:sp>
       <p:pic>
         <p:nvPicPr>
-          <p:cNvPr id="8" name="Content Placeholder 7" descr="A screenshot of a cell phone&#13;&#10;&#13;&#10;Description automatically generated">
+          <p:cNvPr id="6" name="Content Placeholder 5" descr="A screenshot of a cell phone&#13;&#10;&#13;&#10;Description automatically generated">
             <a:extLst>
               <a:ext uri="{FF2B5EF4-FFF2-40B4-BE49-F238E27FC236}">
-                <a16:creationId xmlns:a16="http://schemas.microsoft.com/office/drawing/2014/main" id="{C852B878-CD87-B84A-90FF-C100E2C907FB}"/>
+                <a16:creationId xmlns:a16="http://schemas.microsoft.com/office/drawing/2014/main" id="{0C5973A8-F9ED-7241-8DC6-844E9317FF1D}"/>
               </a:ext>
             </a:extLst>
           </p:cNvPr>
@@ -5888,17 +5914,17 @@
         </p:blipFill>
         <p:spPr>
           <a:xfrm>
-            <a:off x="3374843" y="2052638"/>
-            <a:ext cx="6412277" cy="3819525"/>
+            <a:off x="2935705" y="1887522"/>
+            <a:ext cx="6320590" cy="4278013"/>
           </a:xfrm>
         </p:spPr>
       </p:pic>
       <p:sp>
         <p:nvSpPr>
-          <p:cNvPr id="9" name="TextBox 8">
+          <p:cNvPr id="7" name="TextBox 6">
             <a:extLst>
               <a:ext uri="{FF2B5EF4-FFF2-40B4-BE49-F238E27FC236}">
-                <a16:creationId xmlns:a16="http://schemas.microsoft.com/office/drawing/2014/main" id="{E87AC895-8F91-7142-A3EC-0005B3C1C002}"/>
+                <a16:creationId xmlns:a16="http://schemas.microsoft.com/office/drawing/2014/main" id="{981D4F07-D880-2941-9723-87F30EF42D42}"/>
               </a:ext>
             </a:extLst>
           </p:cNvPr>
@@ -5907,8 +5933,8 @@
         </p:nvSpPr>
         <p:spPr>
           <a:xfrm>
-            <a:off x="1183342" y="3644153"/>
-            <a:ext cx="1748118" cy="1200329"/>
+            <a:off x="9442491" y="4970479"/>
+            <a:ext cx="1470151" cy="646331"/>
           </a:xfrm>
           <a:prstGeom prst="rect">
             <a:avLst/>
@@ -5922,16 +5948,20 @@
           <a:lstStyle/>
           <a:p>
             <a:r>
-              <a:rPr lang="en-US" dirty="0"/>
-              <a:t>Make more colorful add title to chart in </a:t>
-            </a:r>
-            <a:r>
-              <a:rPr lang="en-US" dirty="0" err="1"/>
-              <a:t>rmd</a:t>
-            </a:r>
-            <a:r>
-              <a:rPr lang="en-US" dirty="0"/>
-              <a:t> </a:t>
+              <a:rPr lang="en-US" dirty="0">
+                <a:latin typeface="Calibri Light" panose="020F0302020204030204" pitchFamily="34" charset="0"/>
+                <a:cs typeface="Calibri Light" panose="020F0302020204030204" pitchFamily="34" charset="0"/>
+              </a:rPr>
+              <a:t>Pearson’s R =  </a:t>
+            </a:r>
+          </a:p>
+          <a:p>
+            <a:r>
+              <a:rPr lang="en-US" dirty="0">
+                <a:latin typeface="Calibri Light" panose="020F0302020204030204" pitchFamily="34" charset="0"/>
+                <a:cs typeface="Calibri Light" panose="020F0302020204030204" pitchFamily="34" charset="0"/>
+              </a:rPr>
+              <a:t>0.67</a:t>
             </a:r>
           </a:p>
         </p:txBody>

--- a/Case Study Presentation.pptx
+++ b/Case Study Presentation.pptx
@@ -6,8 +6,8 @@
   </p:sldMasterIdLst>
   <p:sldIdLst>
     <p:sldId id="256" r:id="rId2"/>
-    <p:sldId id="257" r:id="rId3"/>
-    <p:sldId id="258" r:id="rId4"/>
+    <p:sldId id="258" r:id="rId3"/>
+    <p:sldId id="257" r:id="rId4"/>
     <p:sldId id="259" r:id="rId5"/>
     <p:sldId id="260" r:id="rId6"/>
     <p:sldId id="261" r:id="rId7"/>
@@ -15,7 +15,8 @@
     <p:sldId id="263" r:id="rId9"/>
     <p:sldId id="264" r:id="rId10"/>
     <p:sldId id="265" r:id="rId11"/>
-    <p:sldId id="266" r:id="rId12"/>
+    <p:sldId id="267" r:id="rId12"/>
+    <p:sldId id="266" r:id="rId13"/>
   </p:sldIdLst>
   <p:sldSz cx="12192000" cy="6858000"/>
   <p:notesSz cx="6858000" cy="9144000"/>
@@ -339,7 +340,7 @@
           <a:p>
             <a:fld id="{9AB3A824-1A51-4B26-AD58-A6D8E14F6C04}" type="datetimeFigureOut">
               <a:rPr lang="en-US" smtClean="0"/>
-              <a:t>1/4/19</a:t>
+              <a:t>1/5/19</a:t>
             </a:fld>
             <a:endParaRPr lang="en-US" dirty="0"/>
           </a:p>
@@ -679,7 +680,7 @@
           <a:p>
             <a:fld id="{D857E33E-8B18-4087-B112-809917729534}" type="datetimeFigureOut">
               <a:rPr lang="en-US" smtClean="0"/>
-              <a:t>1/4/19</a:t>
+              <a:t>1/5/19</a:t>
             </a:fld>
             <a:endParaRPr lang="en-US" dirty="0"/>
           </a:p>
@@ -987,7 +988,7 @@
           <a:p>
             <a:fld id="{D3FFE419-2371-464F-8239-3959401C3561}" type="datetimeFigureOut">
               <a:rPr lang="en-US" smtClean="0"/>
-              <a:t>1/4/19</a:t>
+              <a:t>1/5/19</a:t>
             </a:fld>
             <a:endParaRPr lang="en-US" dirty="0"/>
           </a:p>
@@ -1240,7 +1241,7 @@
           <a:p>
             <a:fld id="{97D162C4-EDD9-4389-A98B-B87ECEA2A816}" type="datetimeFigureOut">
               <a:rPr lang="en-US" smtClean="0"/>
-              <a:t>1/4/19</a:t>
+              <a:t>1/5/19</a:t>
             </a:fld>
             <a:endParaRPr lang="en-US" dirty="0"/>
           </a:p>
@@ -1653,7 +1654,7 @@
           <a:p>
             <a:fld id="{3E5059C3-6A89-4494-99FF-5A4D6FFD50EB}" type="datetimeFigureOut">
               <a:rPr lang="en-US" smtClean="0"/>
-              <a:t>1/4/19</a:t>
+              <a:t>1/5/19</a:t>
             </a:fld>
             <a:endParaRPr lang="en-US" dirty="0"/>
           </a:p>
@@ -1973,7 +1974,7 @@
           <a:p>
             <a:fld id="{CA954B2F-12DE-47F5-8894-472B206D2E1E}" type="datetimeFigureOut">
               <a:rPr lang="en-US" smtClean="0"/>
-              <a:t>1/4/19</a:t>
+              <a:t>1/5/19</a:t>
             </a:fld>
             <a:endParaRPr lang="en-US" dirty="0"/>
           </a:p>
@@ -2524,7 +2525,7 @@
             <a:fld id="{3CBC1C18-307B-4F68-A007-B5B542270E8D}" type="datetimeFigureOut">
               <a:rPr lang="en-US" smtClean="0"/>
               <a:pPr/>
-              <a:t>1/4/19</a:t>
+              <a:t>1/5/19</a:t>
             </a:fld>
             <a:endParaRPr lang="en-US" dirty="0"/>
           </a:p>
@@ -2727,7 +2728,7 @@
           <a:p>
             <a:fld id="{1FAF3416-4057-4DAA-829D-4CA07428D088}" type="datetimeFigureOut">
               <a:rPr lang="en-US" smtClean="0"/>
-              <a:t>1/4/19</a:t>
+              <a:t>1/5/19</a:t>
             </a:fld>
             <a:endParaRPr lang="en-US" dirty="0"/>
           </a:p>
@@ -2946,7 +2947,7 @@
           <a:p>
             <a:fld id="{921D9284-D300-4297-87F7-E791DCC15DB1}" type="datetimeFigureOut">
               <a:rPr lang="en-US" smtClean="0"/>
-              <a:t>1/4/19</a:t>
+              <a:t>1/5/19</a:t>
             </a:fld>
             <a:endParaRPr lang="en-US" dirty="0"/>
           </a:p>
@@ -3321,7 +3322,7 @@
           <a:p>
             <a:fld id="{37D525BB-DA17-4BA0-B3C8-3AC3ABC827E6}" type="datetimeFigureOut">
               <a:rPr lang="en-US" smtClean="0"/>
-              <a:t>1/4/19</a:t>
+              <a:t>1/5/19</a:t>
             </a:fld>
             <a:endParaRPr lang="en-US" dirty="0"/>
           </a:p>
@@ -3730,7 +3731,7 @@
           <a:p>
             <a:fld id="{B16C4C9A-3960-41CF-A4E9-2A8FB932454B}" type="datetimeFigureOut">
               <a:rPr lang="en-US" smtClean="0"/>
-              <a:t>1/4/19</a:t>
+              <a:t>1/5/19</a:t>
             </a:fld>
             <a:endParaRPr lang="en-US" dirty="0"/>
           </a:p>
@@ -4075,7 +4076,7 @@
             <a:fld id="{3CBC1C18-307B-4F68-A007-B5B542270E8D}" type="datetimeFigureOut">
               <a:rPr lang="en-US" smtClean="0"/>
               <a:pPr/>
-              <a:t>1/4/19</a:t>
+              <a:t>1/5/19</a:t>
             </a:fld>
             <a:endParaRPr lang="en-US" dirty="0"/>
           </a:p>
@@ -4716,26 +4717,19 @@
         </p:nvSpPr>
         <p:spPr>
           <a:xfrm>
-            <a:off x="3362905" y="2453007"/>
-            <a:ext cx="6033757" cy="2624320"/>
-          </a:xfrm>
-        </p:spPr>
-        <p:txBody>
-          <a:bodyPr/>
-          <a:lstStyle/>
-          <a:p>
-            <a:pPr marL="0" indent="0">
-              <a:buNone/>
-            </a:pPr>
+            <a:off x="6096000" y="2960905"/>
+            <a:ext cx="4672263" cy="1165927"/>
+          </a:xfrm>
+        </p:spPr>
+        <p:txBody>
+          <a:bodyPr>
+            <a:normAutofit/>
+          </a:bodyPr>
+          <a:lstStyle/>
+          <a:p>
             <a:r>
               <a:rPr lang="en-US" dirty="0"/>
-              <a:t>We recommend making a beer with the following:</a:t>
-            </a:r>
-          </a:p>
-          <a:p>
-            <a:r>
-              <a:rPr lang="en-US" dirty="0"/>
-              <a:t>Alcohol content ABV between 0.05 and 0.07 </a:t>
+              <a:t>Alcohol ABV between 0.05 and 0.07 </a:t>
             </a:r>
           </a:p>
           <a:p>
@@ -4745,27 +4739,59 @@
             </a:r>
           </a:p>
           <a:p>
+            <a:pPr marL="0" indent="0">
+              <a:buNone/>
+            </a:pPr>
+            <a:endParaRPr lang="en-US" dirty="0"/>
+          </a:p>
+          <a:p>
+            <a:pPr marL="0" indent="0">
+              <a:buNone/>
+            </a:pPr>
+            <a:endParaRPr lang="en-US" dirty="0"/>
+          </a:p>
+          <a:p>
+            <a:pPr marL="0" indent="0">
+              <a:buNone/>
+            </a:pPr>
+            <a:endParaRPr lang="en-US" dirty="0"/>
+          </a:p>
+        </p:txBody>
+      </p:sp>
+      <p:sp>
+        <p:nvSpPr>
+          <p:cNvPr id="3" name="TextBox 2">
+            <a:extLst>
+              <a:ext uri="{FF2B5EF4-FFF2-40B4-BE49-F238E27FC236}">
+                <a16:creationId xmlns:a16="http://schemas.microsoft.com/office/drawing/2014/main" id="{4DF4DB13-74B0-A642-9155-3A9323755CF9}"/>
+              </a:ext>
+            </a:extLst>
+          </p:cNvPr>
+          <p:cNvSpPr txBox="1"/>
+          <p:nvPr/>
+        </p:nvSpPr>
+        <p:spPr>
+          <a:xfrm>
+            <a:off x="2310063" y="2481409"/>
+            <a:ext cx="3007895" cy="2585323"/>
+          </a:xfrm>
+          <a:prstGeom prst="rect">
+            <a:avLst/>
+          </a:prstGeom>
+          <a:noFill/>
+        </p:spPr>
+        <p:txBody>
+          <a:bodyPr wrap="square" rtlCol="0">
+            <a:spAutoFit/>
+          </a:bodyPr>
+          <a:lstStyle/>
+          <a:p>
             <a:r>
               <a:rPr lang="en-US" dirty="0"/>
-              <a:t>In a state that has a median alcohol content and bitterness within the ranges above</a:t>
-            </a:r>
-          </a:p>
-          <a:p>
-            <a:pPr marL="0" indent="0">
-              <a:buNone/>
-            </a:pPr>
-            <a:endParaRPr lang="en-US" dirty="0"/>
-          </a:p>
-          <a:p>
-            <a:pPr marL="0" indent="0">
-              <a:buNone/>
-            </a:pPr>
-            <a:endParaRPr lang="en-US" dirty="0"/>
-          </a:p>
-          <a:p>
-            <a:pPr marL="0" indent="0">
-              <a:buNone/>
-            </a:pPr>
+              <a:t>Assuming that beer companies are already making most popular combination of ABV and IBU we can recommend Frothy Head Brewing in launching it’s product to stick to the these ranges</a:t>
+            </a:r>
+          </a:p>
+          <a:p>
             <a:endParaRPr lang="en-US" dirty="0"/>
           </a:p>
         </p:txBody>
@@ -4802,6 +4828,162 @@
       </p:grpSpPr>
       <p:sp>
         <p:nvSpPr>
+          <p:cNvPr id="2" name="Title 1">
+            <a:extLst>
+              <a:ext uri="{FF2B5EF4-FFF2-40B4-BE49-F238E27FC236}">
+                <a16:creationId xmlns:a16="http://schemas.microsoft.com/office/drawing/2014/main" id="{B706B864-4236-1A45-957A-BABF2675C1ED}"/>
+              </a:ext>
+            </a:extLst>
+          </p:cNvPr>
+          <p:cNvSpPr>
+            <a:spLocks noGrp="1"/>
+          </p:cNvSpPr>
+          <p:nvPr>
+            <p:ph type="title"/>
+          </p:nvPr>
+        </p:nvSpPr>
+        <p:spPr/>
+        <p:txBody>
+          <a:bodyPr/>
+          <a:lstStyle/>
+          <a:p>
+            <a:pPr algn="ctr"/>
+            <a:r>
+              <a:rPr lang="en-US" dirty="0">
+                <a:latin typeface="Calibri" panose="020F0502020204030204" pitchFamily="34" charset="0"/>
+                <a:cs typeface="Calibri" panose="020F0502020204030204" pitchFamily="34" charset="0"/>
+              </a:rPr>
+              <a:t>Take Away</a:t>
+            </a:r>
+          </a:p>
+        </p:txBody>
+      </p:sp>
+      <p:sp>
+        <p:nvSpPr>
+          <p:cNvPr id="4" name="Content Placeholder 3">
+            <a:extLst>
+              <a:ext uri="{FF2B5EF4-FFF2-40B4-BE49-F238E27FC236}">
+                <a16:creationId xmlns:a16="http://schemas.microsoft.com/office/drawing/2014/main" id="{75DC3CEF-C98E-B345-AF14-CA85D01CAC5E}"/>
+              </a:ext>
+            </a:extLst>
+          </p:cNvPr>
+          <p:cNvSpPr>
+            <a:spLocks noGrp="1"/>
+          </p:cNvSpPr>
+          <p:nvPr>
+            <p:ph sz="half" idx="2"/>
+          </p:nvPr>
+        </p:nvSpPr>
+        <p:spPr>
+          <a:xfrm>
+            <a:off x="3759868" y="3689651"/>
+            <a:ext cx="4672263" cy="1165927"/>
+          </a:xfrm>
+        </p:spPr>
+        <p:txBody>
+          <a:bodyPr>
+            <a:normAutofit/>
+          </a:bodyPr>
+          <a:lstStyle/>
+          <a:p>
+            <a:r>
+              <a:rPr lang="en-US" dirty="0"/>
+              <a:t>Alcohol ABV between 0.05 and 0.07 </a:t>
+            </a:r>
+          </a:p>
+          <a:p>
+            <a:r>
+              <a:rPr lang="en-US" dirty="0"/>
+              <a:t>Bitterness IBU between 25 and 50</a:t>
+            </a:r>
+          </a:p>
+          <a:p>
+            <a:pPr marL="0" indent="0">
+              <a:buNone/>
+            </a:pPr>
+            <a:endParaRPr lang="en-US" dirty="0"/>
+          </a:p>
+          <a:p>
+            <a:pPr marL="0" indent="0">
+              <a:buNone/>
+            </a:pPr>
+            <a:endParaRPr lang="en-US" dirty="0"/>
+          </a:p>
+          <a:p>
+            <a:pPr marL="0" indent="0">
+              <a:buNone/>
+            </a:pPr>
+            <a:endParaRPr lang="en-US" dirty="0"/>
+          </a:p>
+        </p:txBody>
+      </p:sp>
+      <p:sp>
+        <p:nvSpPr>
+          <p:cNvPr id="3" name="TextBox 2">
+            <a:extLst>
+              <a:ext uri="{FF2B5EF4-FFF2-40B4-BE49-F238E27FC236}">
+                <a16:creationId xmlns:a16="http://schemas.microsoft.com/office/drawing/2014/main" id="{4DF4DB13-74B0-A642-9155-3A9323755CF9}"/>
+              </a:ext>
+            </a:extLst>
+          </p:cNvPr>
+          <p:cNvSpPr txBox="1"/>
+          <p:nvPr/>
+        </p:nvSpPr>
+        <p:spPr>
+          <a:xfrm>
+            <a:off x="2490537" y="2245020"/>
+            <a:ext cx="7950984" cy="923330"/>
+          </a:xfrm>
+          <a:prstGeom prst="rect">
+            <a:avLst/>
+          </a:prstGeom>
+          <a:noFill/>
+        </p:spPr>
+        <p:txBody>
+          <a:bodyPr wrap="square" rtlCol="0">
+            <a:spAutoFit/>
+          </a:bodyPr>
+          <a:lstStyle/>
+          <a:p>
+            <a:r>
+              <a:rPr lang="en-US" dirty="0"/>
+              <a:t>We recommend conducting an independent survey to find if there is any change in customer taste. This observed range is intended to serve as a baseline. </a:t>
+            </a:r>
+          </a:p>
+        </p:txBody>
+      </p:sp>
+    </p:spTree>
+    <p:extLst>
+      <p:ext uri="{BB962C8B-B14F-4D97-AF65-F5344CB8AC3E}">
+        <p14:creationId xmlns:p14="http://schemas.microsoft.com/office/powerpoint/2010/main" val="3683292785"/>
+      </p:ext>
+    </p:extLst>
+  </p:cSld>
+  <p:clrMapOvr>
+    <a:masterClrMapping/>
+  </p:clrMapOvr>
+</p:sld>
+</file>
+
+<file path=ppt/slides/slide12.xml><?xml version="1.0" encoding="utf-8"?>
+<p:sld xmlns:a="http://schemas.openxmlformats.org/drawingml/2006/main" xmlns:r="http://schemas.openxmlformats.org/officeDocument/2006/relationships" xmlns:p="http://schemas.openxmlformats.org/presentationml/2006/main">
+  <p:cSld>
+    <p:spTree>
+      <p:nvGrpSpPr>
+        <p:cNvPr id="1" name=""/>
+        <p:cNvGrpSpPr/>
+        <p:nvPr/>
+      </p:nvGrpSpPr>
+      <p:grpSpPr>
+        <a:xfrm>
+          <a:off x="0" y="0"/>
+          <a:ext cx="0" cy="0"/>
+          <a:chOff x="0" y="0"/>
+          <a:chExt cx="0" cy="0"/>
+        </a:xfrm>
+      </p:grpSpPr>
+      <p:sp>
+        <p:nvSpPr>
           <p:cNvPr id="3" name="Content Placeholder 2">
             <a:extLst>
               <a:ext uri="{FF2B5EF4-FFF2-40B4-BE49-F238E27FC236}">
@@ -4818,22 +5000,15 @@
         </p:nvSpPr>
         <p:spPr>
           <a:xfrm>
-            <a:off x="4082318" y="2437127"/>
-            <a:ext cx="4363850" cy="2459726"/>
-          </a:xfrm>
-        </p:spPr>
-        <p:txBody>
-          <a:bodyPr/>
-          <a:lstStyle/>
-          <a:p>
-            <a:pPr marL="0" indent="0">
-              <a:buNone/>
-            </a:pPr>
-            <a:r>
-              <a:rPr lang="en-US" dirty="0"/>
-              <a:t>State of Interest: Texas</a:t>
-            </a:r>
-          </a:p>
+            <a:off x="4142476" y="3924407"/>
+            <a:ext cx="4363850" cy="991873"/>
+          </a:xfrm>
+        </p:spPr>
+        <p:txBody>
+          <a:bodyPr>
+            <a:normAutofit fontScale="92500" lnSpcReduction="20000"/>
+          </a:bodyPr>
+          <a:lstStyle/>
           <a:p>
             <a:r>
               <a:rPr lang="en-US" dirty="0"/>
@@ -4870,7 +5045,7 @@
         </p:nvSpPr>
         <p:spPr>
           <a:xfrm>
-            <a:off x="2425389" y="669460"/>
+            <a:off x="2204530" y="860016"/>
             <a:ext cx="7950984" cy="1081705"/>
           </a:xfrm>
           <a:prstGeom prst="rect">
@@ -4909,6 +5084,41 @@
                 <a:cs typeface="Calibri" panose="020F0502020204030204" pitchFamily="34" charset="0"/>
               </a:rPr>
               <a:t>Take Away</a:t>
+            </a:r>
+          </a:p>
+        </p:txBody>
+      </p:sp>
+      <p:sp>
+        <p:nvSpPr>
+          <p:cNvPr id="2" name="TextBox 1">
+            <a:extLst>
+              <a:ext uri="{FF2B5EF4-FFF2-40B4-BE49-F238E27FC236}">
+                <a16:creationId xmlns:a16="http://schemas.microsoft.com/office/drawing/2014/main" id="{3DBCCED8-30C9-484B-985C-6308ADBEF388}"/>
+              </a:ext>
+            </a:extLst>
+          </p:cNvPr>
+          <p:cNvSpPr txBox="1"/>
+          <p:nvPr/>
+        </p:nvSpPr>
+        <p:spPr>
+          <a:xfrm>
+            <a:off x="4142476" y="2225813"/>
+            <a:ext cx="4075092" cy="923330"/>
+          </a:xfrm>
+          <a:prstGeom prst="rect">
+            <a:avLst/>
+          </a:prstGeom>
+          <a:noFill/>
+        </p:spPr>
+        <p:txBody>
+          <a:bodyPr wrap="square" rtlCol="0">
+            <a:spAutoFit/>
+          </a:bodyPr>
+          <a:lstStyle/>
+          <a:p>
+            <a:r>
+              <a:rPr lang="en-US" dirty="0"/>
+              <a:t>We understand the company has a particular interest in Texas. These are the statistics for the state. </a:t>
             </a:r>
           </a:p>
         </p:txBody>
@@ -4948,7 +5158,7 @@
           <p:cNvPr id="2" name="Title 1">
             <a:extLst>
               <a:ext uri="{FF2B5EF4-FFF2-40B4-BE49-F238E27FC236}">
-                <a16:creationId xmlns:a16="http://schemas.microsoft.com/office/drawing/2014/main" id="{6AC47A9E-F1AE-2943-89B3-6CB5534F7B30}"/>
+                <a16:creationId xmlns:a16="http://schemas.microsoft.com/office/drawing/2014/main" id="{0651E8E8-6DA5-3445-A995-A280094683B7}"/>
               </a:ext>
             </a:extLst>
           </p:cNvPr>
@@ -4961,75 +5171,149 @@
         </p:nvSpPr>
         <p:spPr>
           <a:xfrm>
-            <a:off x="2536917" y="808056"/>
-            <a:ext cx="7958331" cy="1077229"/>
-          </a:xfrm>
-        </p:spPr>
-        <p:txBody>
-          <a:bodyPr>
-            <a:normAutofit/>
-          </a:bodyPr>
+            <a:off x="2120508" y="752028"/>
+            <a:ext cx="7950984" cy="1081705"/>
+          </a:xfrm>
+        </p:spPr>
+        <p:txBody>
+          <a:bodyPr/>
           <a:lstStyle/>
           <a:p>
             <a:pPr algn="ctr"/>
             <a:r>
-              <a:rPr lang="en-US" dirty="0">
-                <a:ea typeface="Verdana" panose="020B0604030504040204" pitchFamily="34" charset="0"/>
-                <a:cs typeface="Calibri Light" panose="020F0302020204030204" pitchFamily="34" charset="0"/>
-              </a:rPr>
-              <a:t>States Brewery Map</a:t>
+              <a:rPr lang="en-US" dirty="0"/>
+              <a:t>Tables and Data </a:t>
             </a:r>
             <a:br>
-              <a:rPr lang="en-US" dirty="0">
-                <a:latin typeface="Calibri Light" panose="020F0302020204030204" pitchFamily="34" charset="0"/>
-                <a:ea typeface="Verdana" panose="020B0604030504040204" pitchFamily="34" charset="0"/>
-                <a:cs typeface="Calibri Light" panose="020F0302020204030204" pitchFamily="34" charset="0"/>
-              </a:rPr>
+              <a:rPr lang="en-US" dirty="0"/>
             </a:br>
-            <a:r>
-              <a:rPr lang="en-US" dirty="0">
-                <a:latin typeface="Calibri Light" panose="020F0302020204030204" pitchFamily="34" charset="0"/>
-                <a:ea typeface="Verdana" panose="020B0604030504040204" pitchFamily="34" charset="0"/>
-                <a:cs typeface="Calibri Light" panose="020F0302020204030204" pitchFamily="34" charset="0"/>
-              </a:rPr>
-              <a:t> </a:t>
-            </a:r>
-          </a:p>
-        </p:txBody>
-      </p:sp>
-      <p:pic>
-        <p:nvPicPr>
-          <p:cNvPr id="10" name="Content Placeholder 9" descr="A close up of a map&#13;&#10;&#13;&#10;Description automatically generated">
+            <a:endParaRPr lang="en-US" dirty="0"/>
+          </a:p>
+        </p:txBody>
+      </p:sp>
+      <p:sp>
+        <p:nvSpPr>
+          <p:cNvPr id="11" name="TextBox 10">
             <a:extLst>
               <a:ext uri="{FF2B5EF4-FFF2-40B4-BE49-F238E27FC236}">
-                <a16:creationId xmlns:a16="http://schemas.microsoft.com/office/drawing/2014/main" id="{1F7AB6BE-7F21-5845-B66F-6428B0E626F8}"/>
+                <a16:creationId xmlns:a16="http://schemas.microsoft.com/office/drawing/2014/main" id="{612CA37D-96A4-2046-8FA5-247BFD9A1CAF}"/>
               </a:ext>
             </a:extLst>
           </p:cNvPr>
-          <p:cNvPicPr>
-            <a:picLocks noGrp="1" noChangeAspect="1"/>
-          </p:cNvPicPr>
-          <p:nvPr>
-            <p:ph idx="1"/>
-          </p:nvPr>
-        </p:nvPicPr>
-        <p:blipFill>
-          <a:blip r:embed="rId2"/>
-          <a:stretch>
-            <a:fillRect/>
-          </a:stretch>
-        </p:blipFill>
-        <p:spPr>
-          <a:xfrm>
-            <a:off x="2844964" y="2052619"/>
-            <a:ext cx="7342236" cy="3997325"/>
-          </a:xfrm>
-        </p:spPr>
-      </p:pic>
+          <p:cNvSpPr txBox="1"/>
+          <p:nvPr/>
+        </p:nvSpPr>
+        <p:spPr>
+          <a:xfrm>
+            <a:off x="4044731" y="2554495"/>
+            <a:ext cx="4425265" cy="3139321"/>
+          </a:xfrm>
+          <a:prstGeom prst="rect">
+            <a:avLst/>
+          </a:prstGeom>
+          <a:noFill/>
+        </p:spPr>
+        <p:txBody>
+          <a:bodyPr wrap="square" rtlCol="0">
+            <a:spAutoFit/>
+          </a:bodyPr>
+          <a:lstStyle/>
+          <a:p>
+            <a:r>
+              <a:rPr lang="en-US" dirty="0">
+                <a:latin typeface="Calibri Light" panose="020F0302020204030204" pitchFamily="34" charset="0"/>
+                <a:cs typeface="Calibri Light" panose="020F0302020204030204" pitchFamily="34" charset="0"/>
+              </a:rPr>
+              <a:t>The provided data sets along with the cleaned and merged data can be found in the accompanying files along with the tables for the following: </a:t>
+            </a:r>
+          </a:p>
+          <a:p>
+            <a:pPr marL="285750" indent="-285750">
+              <a:buFont typeface="Arial" panose="020B0604020202020204" pitchFamily="34" charset="0"/>
+              <a:buChar char="•"/>
+            </a:pPr>
+            <a:r>
+              <a:rPr lang="en-US" dirty="0">
+                <a:latin typeface="Calibri Light" panose="020F0302020204030204" pitchFamily="34" charset="0"/>
+                <a:cs typeface="Calibri Light" panose="020F0302020204030204" pitchFamily="34" charset="0"/>
+              </a:rPr>
+              <a:t>The number of breweries per state</a:t>
+            </a:r>
+          </a:p>
+          <a:p>
+            <a:pPr marL="285750" indent="-285750">
+              <a:buFont typeface="Arial" panose="020B0604020202020204" pitchFamily="34" charset="0"/>
+              <a:buChar char="•"/>
+            </a:pPr>
+            <a:r>
+              <a:rPr lang="en-US" dirty="0">
+                <a:latin typeface="Calibri Light" panose="020F0302020204030204" pitchFamily="34" charset="0"/>
+                <a:cs typeface="Calibri Light" panose="020F0302020204030204" pitchFamily="34" charset="0"/>
+              </a:rPr>
+              <a:t>Missing values per variable</a:t>
+            </a:r>
+          </a:p>
+          <a:p>
+            <a:pPr marL="285750" indent="-285750">
+              <a:buFont typeface="Arial" panose="020B0604020202020204" pitchFamily="34" charset="0"/>
+              <a:buChar char="•"/>
+            </a:pPr>
+            <a:r>
+              <a:rPr lang="en-US" dirty="0">
+                <a:latin typeface="Calibri Light" panose="020F0302020204030204" pitchFamily="34" charset="0"/>
+                <a:cs typeface="Calibri Light" panose="020F0302020204030204" pitchFamily="34" charset="0"/>
+              </a:rPr>
+              <a:t>Statistical summary of alcohol content</a:t>
+            </a:r>
+          </a:p>
+          <a:p>
+            <a:pPr marL="285750" indent="-285750">
+              <a:buFont typeface="Arial" panose="020B0604020202020204" pitchFamily="34" charset="0"/>
+              <a:buChar char="•"/>
+            </a:pPr>
+            <a:r>
+              <a:rPr lang="en-US" dirty="0">
+                <a:latin typeface="Calibri Light" panose="020F0302020204030204" pitchFamily="34" charset="0"/>
+                <a:cs typeface="Calibri Light" panose="020F0302020204030204" pitchFamily="34" charset="0"/>
+              </a:rPr>
+              <a:t>Most alcoholic Beer</a:t>
+            </a:r>
+          </a:p>
+          <a:p>
+            <a:pPr marL="285750" indent="-285750">
+              <a:buFont typeface="Arial" panose="020B0604020202020204" pitchFamily="34" charset="0"/>
+              <a:buChar char="•"/>
+            </a:pPr>
+            <a:r>
+              <a:rPr lang="en-US" dirty="0">
+                <a:latin typeface="Calibri Light" panose="020F0302020204030204" pitchFamily="34" charset="0"/>
+                <a:cs typeface="Calibri Light" panose="020F0302020204030204" pitchFamily="34" charset="0"/>
+              </a:rPr>
+              <a:t>Most bitter beer</a:t>
+            </a:r>
+          </a:p>
+          <a:p>
+            <a:endParaRPr lang="en-US" dirty="0">
+              <a:latin typeface="Calibri Light" panose="020F0302020204030204" pitchFamily="34" charset="0"/>
+              <a:cs typeface="Calibri Light" panose="020F0302020204030204" pitchFamily="34" charset="0"/>
+            </a:endParaRPr>
+          </a:p>
+          <a:p>
+            <a:pPr marL="285750" indent="-285750">
+              <a:buFont typeface="Arial" panose="020B0604020202020204" pitchFamily="34" charset="0"/>
+              <a:buChar char="•"/>
+            </a:pPr>
+            <a:endParaRPr lang="en-US" dirty="0">
+              <a:latin typeface="Calibri Light" panose="020F0302020204030204" pitchFamily="34" charset="0"/>
+              <a:cs typeface="Calibri Light" panose="020F0302020204030204" pitchFamily="34" charset="0"/>
+            </a:endParaRPr>
+          </a:p>
+        </p:txBody>
+      </p:sp>
     </p:spTree>
     <p:extLst>
       <p:ext uri="{BB962C8B-B14F-4D97-AF65-F5344CB8AC3E}">
-        <p14:creationId xmlns:p14="http://schemas.microsoft.com/office/powerpoint/2010/main" val="2431154290"/>
+        <p14:creationId xmlns:p14="http://schemas.microsoft.com/office/powerpoint/2010/main" val="3987875930"/>
       </p:ext>
     </p:extLst>
   </p:cSld>
@@ -5061,7 +5345,7 @@
           <p:cNvPr id="2" name="Title 1">
             <a:extLst>
               <a:ext uri="{FF2B5EF4-FFF2-40B4-BE49-F238E27FC236}">
-                <a16:creationId xmlns:a16="http://schemas.microsoft.com/office/drawing/2014/main" id="{0651E8E8-6DA5-3445-A995-A280094683B7}"/>
+                <a16:creationId xmlns:a16="http://schemas.microsoft.com/office/drawing/2014/main" id="{6AC47A9E-F1AE-2943-89B3-6CB5534F7B30}"/>
               </a:ext>
             </a:extLst>
           </p:cNvPr>
@@ -5074,149 +5358,75 @@
         </p:nvSpPr>
         <p:spPr>
           <a:xfrm>
-            <a:off x="2120508" y="752028"/>
-            <a:ext cx="7950984" cy="1081705"/>
-          </a:xfrm>
-        </p:spPr>
-        <p:txBody>
-          <a:bodyPr/>
+            <a:off x="2536917" y="808056"/>
+            <a:ext cx="7958331" cy="1077229"/>
+          </a:xfrm>
+        </p:spPr>
+        <p:txBody>
+          <a:bodyPr>
+            <a:normAutofit/>
+          </a:bodyPr>
           <a:lstStyle/>
           <a:p>
             <a:pPr algn="ctr"/>
             <a:r>
-              <a:rPr lang="en-US" dirty="0"/>
-              <a:t>Tables and Data </a:t>
+              <a:rPr lang="en-US" dirty="0">
+                <a:ea typeface="Verdana" panose="020B0604030504040204" pitchFamily="34" charset="0"/>
+                <a:cs typeface="Calibri Light" panose="020F0302020204030204" pitchFamily="34" charset="0"/>
+              </a:rPr>
+              <a:t>States Brewery Map</a:t>
             </a:r>
             <a:br>
-              <a:rPr lang="en-US" dirty="0"/>
+              <a:rPr lang="en-US" dirty="0">
+                <a:latin typeface="Calibri Light" panose="020F0302020204030204" pitchFamily="34" charset="0"/>
+                <a:ea typeface="Verdana" panose="020B0604030504040204" pitchFamily="34" charset="0"/>
+                <a:cs typeface="Calibri Light" panose="020F0302020204030204" pitchFamily="34" charset="0"/>
+              </a:rPr>
             </a:br>
-            <a:endParaRPr lang="en-US" dirty="0"/>
-          </a:p>
-        </p:txBody>
-      </p:sp>
-      <p:sp>
-        <p:nvSpPr>
-          <p:cNvPr id="11" name="TextBox 10">
+            <a:r>
+              <a:rPr lang="en-US" dirty="0">
+                <a:latin typeface="Calibri Light" panose="020F0302020204030204" pitchFamily="34" charset="0"/>
+                <a:ea typeface="Verdana" panose="020B0604030504040204" pitchFamily="34" charset="0"/>
+                <a:cs typeface="Calibri Light" panose="020F0302020204030204" pitchFamily="34" charset="0"/>
+              </a:rPr>
+              <a:t> </a:t>
+            </a:r>
+          </a:p>
+        </p:txBody>
+      </p:sp>
+      <p:pic>
+        <p:nvPicPr>
+          <p:cNvPr id="10" name="Content Placeholder 9" descr="A close up of a map&#13;&#10;&#13;&#10;Description automatically generated">
             <a:extLst>
               <a:ext uri="{FF2B5EF4-FFF2-40B4-BE49-F238E27FC236}">
-                <a16:creationId xmlns:a16="http://schemas.microsoft.com/office/drawing/2014/main" id="{612CA37D-96A4-2046-8FA5-247BFD9A1CAF}"/>
+                <a16:creationId xmlns:a16="http://schemas.microsoft.com/office/drawing/2014/main" id="{1F7AB6BE-7F21-5845-B66F-6428B0E626F8}"/>
               </a:ext>
             </a:extLst>
           </p:cNvPr>
-          <p:cNvSpPr txBox="1"/>
-          <p:nvPr/>
-        </p:nvSpPr>
-        <p:spPr>
-          <a:xfrm>
-            <a:off x="4044731" y="2554495"/>
-            <a:ext cx="4425265" cy="3139321"/>
-          </a:xfrm>
-          <a:prstGeom prst="rect">
-            <a:avLst/>
-          </a:prstGeom>
-          <a:noFill/>
-        </p:spPr>
-        <p:txBody>
-          <a:bodyPr wrap="square" rtlCol="0">
-            <a:spAutoFit/>
-          </a:bodyPr>
-          <a:lstStyle/>
-          <a:p>
-            <a:r>
-              <a:rPr lang="en-US" dirty="0">
-                <a:latin typeface="Calibri Light" panose="020F0302020204030204" pitchFamily="34" charset="0"/>
-                <a:cs typeface="Calibri Light" panose="020F0302020204030204" pitchFamily="34" charset="0"/>
-              </a:rPr>
-              <a:t>The provided data sets along with the cleaned and merged data can be found in the accompanying files along with the tables for the following: </a:t>
-            </a:r>
-          </a:p>
-          <a:p>
-            <a:pPr marL="285750" indent="-285750">
-              <a:buFont typeface="Arial" panose="020B0604020202020204" pitchFamily="34" charset="0"/>
-              <a:buChar char="•"/>
-            </a:pPr>
-            <a:r>
-              <a:rPr lang="en-US" dirty="0">
-                <a:latin typeface="Calibri Light" panose="020F0302020204030204" pitchFamily="34" charset="0"/>
-                <a:cs typeface="Calibri Light" panose="020F0302020204030204" pitchFamily="34" charset="0"/>
-              </a:rPr>
-              <a:t>The number of breweries per state</a:t>
-            </a:r>
-          </a:p>
-          <a:p>
-            <a:pPr marL="285750" indent="-285750">
-              <a:buFont typeface="Arial" panose="020B0604020202020204" pitchFamily="34" charset="0"/>
-              <a:buChar char="•"/>
-            </a:pPr>
-            <a:r>
-              <a:rPr lang="en-US" dirty="0">
-                <a:latin typeface="Calibri Light" panose="020F0302020204030204" pitchFamily="34" charset="0"/>
-                <a:cs typeface="Calibri Light" panose="020F0302020204030204" pitchFamily="34" charset="0"/>
-              </a:rPr>
-              <a:t>Missing values per variable</a:t>
-            </a:r>
-          </a:p>
-          <a:p>
-            <a:pPr marL="285750" indent="-285750">
-              <a:buFont typeface="Arial" panose="020B0604020202020204" pitchFamily="34" charset="0"/>
-              <a:buChar char="•"/>
-            </a:pPr>
-            <a:r>
-              <a:rPr lang="en-US" dirty="0">
-                <a:latin typeface="Calibri Light" panose="020F0302020204030204" pitchFamily="34" charset="0"/>
-                <a:cs typeface="Calibri Light" panose="020F0302020204030204" pitchFamily="34" charset="0"/>
-              </a:rPr>
-              <a:t>Statistical summary of alcohol content</a:t>
-            </a:r>
-          </a:p>
-          <a:p>
-            <a:pPr marL="285750" indent="-285750">
-              <a:buFont typeface="Arial" panose="020B0604020202020204" pitchFamily="34" charset="0"/>
-              <a:buChar char="•"/>
-            </a:pPr>
-            <a:r>
-              <a:rPr lang="en-US" dirty="0">
-                <a:latin typeface="Calibri Light" panose="020F0302020204030204" pitchFamily="34" charset="0"/>
-                <a:cs typeface="Calibri Light" panose="020F0302020204030204" pitchFamily="34" charset="0"/>
-              </a:rPr>
-              <a:t>Most alcoholic Beer</a:t>
-            </a:r>
-          </a:p>
-          <a:p>
-            <a:pPr marL="285750" indent="-285750">
-              <a:buFont typeface="Arial" panose="020B0604020202020204" pitchFamily="34" charset="0"/>
-              <a:buChar char="•"/>
-            </a:pPr>
-            <a:r>
-              <a:rPr lang="en-US" dirty="0">
-                <a:latin typeface="Calibri Light" panose="020F0302020204030204" pitchFamily="34" charset="0"/>
-                <a:cs typeface="Calibri Light" panose="020F0302020204030204" pitchFamily="34" charset="0"/>
-              </a:rPr>
-              <a:t>Most bitter beer</a:t>
-            </a:r>
-          </a:p>
-          <a:p>
-            <a:endParaRPr lang="en-US" dirty="0">
-              <a:latin typeface="Calibri Light" panose="020F0302020204030204" pitchFamily="34" charset="0"/>
-              <a:cs typeface="Calibri Light" panose="020F0302020204030204" pitchFamily="34" charset="0"/>
-            </a:endParaRPr>
-          </a:p>
-          <a:p>
-            <a:pPr marL="285750" indent="-285750">
-              <a:buFont typeface="Arial" panose="020B0604020202020204" pitchFamily="34" charset="0"/>
-              <a:buChar char="•"/>
-            </a:pPr>
-            <a:endParaRPr lang="en-US" dirty="0">
-              <a:latin typeface="Calibri Light" panose="020F0302020204030204" pitchFamily="34" charset="0"/>
-              <a:cs typeface="Calibri Light" panose="020F0302020204030204" pitchFamily="34" charset="0"/>
-            </a:endParaRPr>
-          </a:p>
-        </p:txBody>
-      </p:sp>
+          <p:cNvPicPr>
+            <a:picLocks noGrp="1" noChangeAspect="1"/>
+          </p:cNvPicPr>
+          <p:nvPr>
+            <p:ph idx="1"/>
+          </p:nvPr>
+        </p:nvPicPr>
+        <p:blipFill>
+          <a:blip r:embed="rId2"/>
+          <a:stretch>
+            <a:fillRect/>
+          </a:stretch>
+        </p:blipFill>
+        <p:spPr>
+          <a:xfrm>
+            <a:off x="2844964" y="2052619"/>
+            <a:ext cx="7342236" cy="3997325"/>
+          </a:xfrm>
+        </p:spPr>
+      </p:pic>
     </p:spTree>
     <p:extLst>
       <p:ext uri="{BB962C8B-B14F-4D97-AF65-F5344CB8AC3E}">
-        <p14:creationId xmlns:p14="http://schemas.microsoft.com/office/powerpoint/2010/main" val="3987875930"/>
+        <p14:creationId xmlns:p14="http://schemas.microsoft.com/office/powerpoint/2010/main" val="2431154290"/>
       </p:ext>
     </p:extLst>
   </p:cSld>
@@ -5919,53 +6129,6 @@
           </a:xfrm>
         </p:spPr>
       </p:pic>
-      <p:sp>
-        <p:nvSpPr>
-          <p:cNvPr id="7" name="TextBox 6">
-            <a:extLst>
-              <a:ext uri="{FF2B5EF4-FFF2-40B4-BE49-F238E27FC236}">
-                <a16:creationId xmlns:a16="http://schemas.microsoft.com/office/drawing/2014/main" id="{981D4F07-D880-2941-9723-87F30EF42D42}"/>
-              </a:ext>
-            </a:extLst>
-          </p:cNvPr>
-          <p:cNvSpPr txBox="1"/>
-          <p:nvPr/>
-        </p:nvSpPr>
-        <p:spPr>
-          <a:xfrm>
-            <a:off x="9442491" y="4970479"/>
-            <a:ext cx="1470151" cy="646331"/>
-          </a:xfrm>
-          <a:prstGeom prst="rect">
-            <a:avLst/>
-          </a:prstGeom>
-          <a:noFill/>
-        </p:spPr>
-        <p:txBody>
-          <a:bodyPr wrap="square" rtlCol="0">
-            <a:spAutoFit/>
-          </a:bodyPr>
-          <a:lstStyle/>
-          <a:p>
-            <a:r>
-              <a:rPr lang="en-US" dirty="0">
-                <a:latin typeface="Calibri Light" panose="020F0302020204030204" pitchFamily="34" charset="0"/>
-                <a:cs typeface="Calibri Light" panose="020F0302020204030204" pitchFamily="34" charset="0"/>
-              </a:rPr>
-              <a:t>Pearson’s R =  </a:t>
-            </a:r>
-          </a:p>
-          <a:p>
-            <a:r>
-              <a:rPr lang="en-US" dirty="0">
-                <a:latin typeface="Calibri Light" panose="020F0302020204030204" pitchFamily="34" charset="0"/>
-                <a:cs typeface="Calibri Light" panose="020F0302020204030204" pitchFamily="34" charset="0"/>
-              </a:rPr>
-              <a:t>0.67</a:t>
-            </a:r>
-          </a:p>
-        </p:txBody>
-      </p:sp>
     </p:spTree>
     <p:extLst>
       <p:ext uri="{BB962C8B-B14F-4D97-AF65-F5344CB8AC3E}">
